--- a/images.pptx
+++ b/images.pptx
@@ -6,6 +6,7 @@
   </p:sldMasterIdLst>
   <p:sldIdLst>
     <p:sldId id="256" r:id="rId2"/>
+    <p:sldId id="257" r:id="rId3"/>
   </p:sldIdLst>
   <p:sldSz cx="12192000" cy="6858000"/>
   <p:notesSz cx="6858000" cy="9144000"/>
@@ -104,6 +105,11 @@
       </a:defRPr>
     </a:lvl9pPr>
   </p:defaultTextStyle>
+  <p:extLst>
+    <p:ext uri="{EFAFB233-063F-42B5-8137-9DF3F51BA10A}">
+      <p15:sldGuideLst xmlns:p15="http://schemas.microsoft.com/office/powerpoint/2012/main"/>
+    </p:ext>
+  </p:extLst>
 </p:presentation>
 </file>
 
@@ -256,7 +262,7 @@
           <a:p>
             <a:fld id="{17438BC1-AAC3-47D3-B2BD-C0A3E8141807}" type="datetimeFigureOut">
               <a:rPr lang="de-CH" smtClean="0"/>
-              <a:t>16.08.2021</a:t>
+              <a:t>24.06.2022</a:t>
             </a:fld>
             <a:endParaRPr lang="de-CH"/>
           </a:p>
@@ -310,7 +316,7 @@
           <a:p>
             <a:fld id="{F4CBFFB0-A5EF-425D-863F-E73E26C2BE1E}" type="slidenum">
               <a:rPr lang="de-CH" smtClean="0"/>
-              <a:t>‹Nr.›</a:t>
+              <a:t>‹#›</a:t>
             </a:fld>
             <a:endParaRPr lang="de-CH"/>
           </a:p>
@@ -456,7 +462,7 @@
           <a:p>
             <a:fld id="{17438BC1-AAC3-47D3-B2BD-C0A3E8141807}" type="datetimeFigureOut">
               <a:rPr lang="de-CH" smtClean="0"/>
-              <a:t>16.08.2021</a:t>
+              <a:t>24.06.2022</a:t>
             </a:fld>
             <a:endParaRPr lang="de-CH"/>
           </a:p>
@@ -510,7 +516,7 @@
           <a:p>
             <a:fld id="{F4CBFFB0-A5EF-425D-863F-E73E26C2BE1E}" type="slidenum">
               <a:rPr lang="de-CH" smtClean="0"/>
-              <a:t>‹Nr.›</a:t>
+              <a:t>‹#›</a:t>
             </a:fld>
             <a:endParaRPr lang="de-CH"/>
           </a:p>
@@ -666,7 +672,7 @@
           <a:p>
             <a:fld id="{17438BC1-AAC3-47D3-B2BD-C0A3E8141807}" type="datetimeFigureOut">
               <a:rPr lang="de-CH" smtClean="0"/>
-              <a:t>16.08.2021</a:t>
+              <a:t>24.06.2022</a:t>
             </a:fld>
             <a:endParaRPr lang="de-CH"/>
           </a:p>
@@ -720,7 +726,7 @@
           <a:p>
             <a:fld id="{F4CBFFB0-A5EF-425D-863F-E73E26C2BE1E}" type="slidenum">
               <a:rPr lang="de-CH" smtClean="0"/>
-              <a:t>‹Nr.›</a:t>
+              <a:t>‹#›</a:t>
             </a:fld>
             <a:endParaRPr lang="de-CH"/>
           </a:p>
@@ -866,7 +872,7 @@
           <a:p>
             <a:fld id="{17438BC1-AAC3-47D3-B2BD-C0A3E8141807}" type="datetimeFigureOut">
               <a:rPr lang="de-CH" smtClean="0"/>
-              <a:t>16.08.2021</a:t>
+              <a:t>24.06.2022</a:t>
             </a:fld>
             <a:endParaRPr lang="de-CH"/>
           </a:p>
@@ -920,7 +926,7 @@
           <a:p>
             <a:fld id="{F4CBFFB0-A5EF-425D-863F-E73E26C2BE1E}" type="slidenum">
               <a:rPr lang="de-CH" smtClean="0"/>
-              <a:t>‹Nr.›</a:t>
+              <a:t>‹#›</a:t>
             </a:fld>
             <a:endParaRPr lang="de-CH"/>
           </a:p>
@@ -1142,7 +1148,7 @@
           <a:p>
             <a:fld id="{17438BC1-AAC3-47D3-B2BD-C0A3E8141807}" type="datetimeFigureOut">
               <a:rPr lang="de-CH" smtClean="0"/>
-              <a:t>16.08.2021</a:t>
+              <a:t>24.06.2022</a:t>
             </a:fld>
             <a:endParaRPr lang="de-CH"/>
           </a:p>
@@ -1196,7 +1202,7 @@
           <a:p>
             <a:fld id="{F4CBFFB0-A5EF-425D-863F-E73E26C2BE1E}" type="slidenum">
               <a:rPr lang="de-CH" smtClean="0"/>
-              <a:t>‹Nr.›</a:t>
+              <a:t>‹#›</a:t>
             </a:fld>
             <a:endParaRPr lang="de-CH"/>
           </a:p>
@@ -1410,7 +1416,7 @@
           <a:p>
             <a:fld id="{17438BC1-AAC3-47D3-B2BD-C0A3E8141807}" type="datetimeFigureOut">
               <a:rPr lang="de-CH" smtClean="0"/>
-              <a:t>16.08.2021</a:t>
+              <a:t>24.06.2022</a:t>
             </a:fld>
             <a:endParaRPr lang="de-CH"/>
           </a:p>
@@ -1464,7 +1470,7 @@
           <a:p>
             <a:fld id="{F4CBFFB0-A5EF-425D-863F-E73E26C2BE1E}" type="slidenum">
               <a:rPr lang="de-CH" smtClean="0"/>
-              <a:t>‹Nr.›</a:t>
+              <a:t>‹#›</a:t>
             </a:fld>
             <a:endParaRPr lang="de-CH"/>
           </a:p>
@@ -1825,7 +1831,7 @@
           <a:p>
             <a:fld id="{17438BC1-AAC3-47D3-B2BD-C0A3E8141807}" type="datetimeFigureOut">
               <a:rPr lang="de-CH" smtClean="0"/>
-              <a:t>16.08.2021</a:t>
+              <a:t>24.06.2022</a:t>
             </a:fld>
             <a:endParaRPr lang="de-CH"/>
           </a:p>
@@ -1879,7 +1885,7 @@
           <a:p>
             <a:fld id="{F4CBFFB0-A5EF-425D-863F-E73E26C2BE1E}" type="slidenum">
               <a:rPr lang="de-CH" smtClean="0"/>
-              <a:t>‹Nr.›</a:t>
+              <a:t>‹#›</a:t>
             </a:fld>
             <a:endParaRPr lang="de-CH"/>
           </a:p>
@@ -1967,7 +1973,7 @@
           <a:p>
             <a:fld id="{17438BC1-AAC3-47D3-B2BD-C0A3E8141807}" type="datetimeFigureOut">
               <a:rPr lang="de-CH" smtClean="0"/>
-              <a:t>16.08.2021</a:t>
+              <a:t>24.06.2022</a:t>
             </a:fld>
             <a:endParaRPr lang="de-CH"/>
           </a:p>
@@ -2021,7 +2027,7 @@
           <a:p>
             <a:fld id="{F4CBFFB0-A5EF-425D-863F-E73E26C2BE1E}" type="slidenum">
               <a:rPr lang="de-CH" smtClean="0"/>
-              <a:t>‹Nr.›</a:t>
+              <a:t>‹#›</a:t>
             </a:fld>
             <a:endParaRPr lang="de-CH"/>
           </a:p>
@@ -2080,7 +2086,7 @@
           <a:p>
             <a:fld id="{17438BC1-AAC3-47D3-B2BD-C0A3E8141807}" type="datetimeFigureOut">
               <a:rPr lang="de-CH" smtClean="0"/>
-              <a:t>16.08.2021</a:t>
+              <a:t>24.06.2022</a:t>
             </a:fld>
             <a:endParaRPr lang="de-CH"/>
           </a:p>
@@ -2134,7 +2140,7 @@
           <a:p>
             <a:fld id="{F4CBFFB0-A5EF-425D-863F-E73E26C2BE1E}" type="slidenum">
               <a:rPr lang="de-CH" smtClean="0"/>
-              <a:t>‹Nr.›</a:t>
+              <a:t>‹#›</a:t>
             </a:fld>
             <a:endParaRPr lang="de-CH"/>
           </a:p>
@@ -2393,7 +2399,7 @@
           <a:p>
             <a:fld id="{17438BC1-AAC3-47D3-B2BD-C0A3E8141807}" type="datetimeFigureOut">
               <a:rPr lang="de-CH" smtClean="0"/>
-              <a:t>16.08.2021</a:t>
+              <a:t>24.06.2022</a:t>
             </a:fld>
             <a:endParaRPr lang="de-CH"/>
           </a:p>
@@ -2447,7 +2453,7 @@
           <a:p>
             <a:fld id="{F4CBFFB0-A5EF-425D-863F-E73E26C2BE1E}" type="slidenum">
               <a:rPr lang="de-CH" smtClean="0"/>
-              <a:t>‹Nr.›</a:t>
+              <a:t>‹#›</a:t>
             </a:fld>
             <a:endParaRPr lang="de-CH"/>
           </a:p>
@@ -2682,7 +2688,7 @@
           <a:p>
             <a:fld id="{17438BC1-AAC3-47D3-B2BD-C0A3E8141807}" type="datetimeFigureOut">
               <a:rPr lang="de-CH" smtClean="0"/>
-              <a:t>16.08.2021</a:t>
+              <a:t>24.06.2022</a:t>
             </a:fld>
             <a:endParaRPr lang="de-CH"/>
           </a:p>
@@ -2736,7 +2742,7 @@
           <a:p>
             <a:fld id="{F4CBFFB0-A5EF-425D-863F-E73E26C2BE1E}" type="slidenum">
               <a:rPr lang="de-CH" smtClean="0"/>
-              <a:t>‹Nr.›</a:t>
+              <a:t>‹#›</a:t>
             </a:fld>
             <a:endParaRPr lang="de-CH"/>
           </a:p>
@@ -2925,7 +2931,7 @@
           <a:p>
             <a:fld id="{17438BC1-AAC3-47D3-B2BD-C0A3E8141807}" type="datetimeFigureOut">
               <a:rPr lang="de-CH" smtClean="0"/>
-              <a:t>16.08.2021</a:t>
+              <a:t>24.06.2022</a:t>
             </a:fld>
             <a:endParaRPr lang="de-CH"/>
           </a:p>
@@ -3015,7 +3021,7 @@
           <a:p>
             <a:fld id="{F4CBFFB0-A5EF-425D-863F-E73E26C2BE1E}" type="slidenum">
               <a:rPr lang="de-CH" smtClean="0"/>
-              <a:t>‹Nr.›</a:t>
+              <a:t>‹#›</a:t>
             </a:fld>
             <a:endParaRPr lang="de-CH"/>
           </a:p>
@@ -3521,6 +3527,556 @@
 </p:sld>
 </file>
 
+<file path=ppt/slides/slide2.xml><?xml version="1.0" encoding="utf-8"?>
+<p:sld xmlns:a="http://schemas.openxmlformats.org/drawingml/2006/main" xmlns:r="http://schemas.openxmlformats.org/officeDocument/2006/relationships" xmlns:p="http://schemas.openxmlformats.org/presentationml/2006/main">
+  <p:cSld>
+    <p:spTree>
+      <p:nvGrpSpPr>
+        <p:cNvPr id="1" name=""/>
+        <p:cNvGrpSpPr/>
+        <p:nvPr/>
+      </p:nvGrpSpPr>
+      <p:grpSpPr>
+        <a:xfrm>
+          <a:off x="0" y="0"/>
+          <a:ext cx="0" cy="0"/>
+          <a:chOff x="0" y="0"/>
+          <a:chExt cx="0" cy="0"/>
+        </a:xfrm>
+      </p:grpSpPr>
+      <p:pic>
+        <p:nvPicPr>
+          <p:cNvPr id="5" name="Grafik 4" descr="Zurück mit einfarbiger Füllung">
+            <a:extLst>
+              <a:ext uri="{FF2B5EF4-FFF2-40B4-BE49-F238E27FC236}">
+                <a16:creationId xmlns:a16="http://schemas.microsoft.com/office/drawing/2014/main" id="{33DA77A2-E485-4F6B-A378-00F967F5C5B0}"/>
+              </a:ext>
+            </a:extLst>
+          </p:cNvPr>
+          <p:cNvPicPr>
+            <a:picLocks noChangeAspect="1"/>
+          </p:cNvPicPr>
+          <p:nvPr/>
+        </p:nvPicPr>
+        <p:blipFill>
+          <a:blip r:embed="rId2">
+            <a:extLst>
+              <a:ext uri="{28A0092B-C50C-407E-A947-70E740481C1C}">
+                <a14:useLocalDpi xmlns:a14="http://schemas.microsoft.com/office/drawing/2010/main" val="0"/>
+              </a:ext>
+              <a:ext uri="{96DAC541-7B7A-43D3-8B79-37D633B846F1}">
+                <asvg:svgBlip xmlns:asvg="http://schemas.microsoft.com/office/drawing/2016/SVG/main" r:embed="rId3"/>
+              </a:ext>
+            </a:extLst>
+          </a:blip>
+          <a:stretch>
+            <a:fillRect/>
+          </a:stretch>
+        </p:blipFill>
+        <p:spPr>
+          <a:xfrm rot="16200000">
+            <a:off x="5495925" y="2319300"/>
+            <a:ext cx="914400" cy="914400"/>
+          </a:xfrm>
+          <a:prstGeom prst="rect">
+            <a:avLst/>
+          </a:prstGeom>
+        </p:spPr>
+      </p:pic>
+      <p:pic>
+        <p:nvPicPr>
+          <p:cNvPr id="7" name="Grafik 6" descr="Zurück mit einfarbiger Füllung">
+            <a:extLst>
+              <a:ext uri="{FF2B5EF4-FFF2-40B4-BE49-F238E27FC236}">
+                <a16:creationId xmlns:a16="http://schemas.microsoft.com/office/drawing/2014/main" id="{4950BA59-2B6C-48D5-AD54-436D79D07A47}"/>
+              </a:ext>
+            </a:extLst>
+          </p:cNvPr>
+          <p:cNvPicPr>
+            <a:picLocks noChangeAspect="1"/>
+          </p:cNvPicPr>
+          <p:nvPr/>
+        </p:nvPicPr>
+        <p:blipFill>
+          <a:blip r:embed="rId4">
+            <a:extLst>
+              <a:ext uri="{28A0092B-C50C-407E-A947-70E740481C1C}">
+                <a14:useLocalDpi xmlns:a14="http://schemas.microsoft.com/office/drawing/2010/main" val="0"/>
+              </a:ext>
+              <a:ext uri="{96DAC541-7B7A-43D3-8B79-37D633B846F1}">
+                <asvg:svgBlip xmlns:asvg="http://schemas.microsoft.com/office/drawing/2016/SVG/main" r:embed="rId5"/>
+              </a:ext>
+            </a:extLst>
+          </a:blip>
+          <a:stretch>
+            <a:fillRect/>
+          </a:stretch>
+        </p:blipFill>
+        <p:spPr>
+          <a:xfrm rot="5400000">
+            <a:off x="6988950" y="2319300"/>
+            <a:ext cx="914400" cy="914400"/>
+          </a:xfrm>
+          <a:prstGeom prst="rect">
+            <a:avLst/>
+          </a:prstGeom>
+        </p:spPr>
+      </p:pic>
+      <p:pic>
+        <p:nvPicPr>
+          <p:cNvPr id="9" name="Grafik 8" descr="Pfeil: Nach rechts drehen mit einfarbiger Füllung">
+            <a:extLst>
+              <a:ext uri="{FF2B5EF4-FFF2-40B4-BE49-F238E27FC236}">
+                <a16:creationId xmlns:a16="http://schemas.microsoft.com/office/drawing/2014/main" id="{1502EDCB-D356-4F4B-A3B8-1891451F4BAC}"/>
+              </a:ext>
+            </a:extLst>
+          </p:cNvPr>
+          <p:cNvPicPr>
+            <a:picLocks noChangeAspect="1"/>
+          </p:cNvPicPr>
+          <p:nvPr/>
+        </p:nvPicPr>
+        <p:blipFill>
+          <a:blip r:embed="rId6">
+            <a:extLst>
+              <a:ext uri="{28A0092B-C50C-407E-A947-70E740481C1C}">
+                <a14:useLocalDpi xmlns:a14="http://schemas.microsoft.com/office/drawing/2010/main" val="0"/>
+              </a:ext>
+              <a:ext uri="{96DAC541-7B7A-43D3-8B79-37D633B846F1}">
+                <asvg:svgBlip xmlns:asvg="http://schemas.microsoft.com/office/drawing/2016/SVG/main" r:embed="rId7"/>
+              </a:ext>
+            </a:extLst>
+          </a:blip>
+          <a:stretch>
+            <a:fillRect/>
+          </a:stretch>
+        </p:blipFill>
+        <p:spPr>
+          <a:xfrm>
+            <a:off x="1976400" y="2319300"/>
+            <a:ext cx="914400" cy="914400"/>
+          </a:xfrm>
+          <a:prstGeom prst="rect">
+            <a:avLst/>
+          </a:prstGeom>
+        </p:spPr>
+      </p:pic>
+      <p:sp>
+        <p:nvSpPr>
+          <p:cNvPr id="2" name="Rectangle 1">
+            <a:extLst>
+              <a:ext uri="{FF2B5EF4-FFF2-40B4-BE49-F238E27FC236}">
+                <a16:creationId xmlns:a16="http://schemas.microsoft.com/office/drawing/2014/main" id="{F2B1CFB7-8B53-DAAA-E3D4-7CA775E1F6C6}"/>
+              </a:ext>
+            </a:extLst>
+          </p:cNvPr>
+          <p:cNvSpPr/>
+          <p:nvPr/>
+        </p:nvSpPr>
+        <p:spPr>
+          <a:xfrm>
+            <a:off x="3983567" y="4207933"/>
+            <a:ext cx="1701800" cy="1701800"/>
+          </a:xfrm>
+          <a:prstGeom prst="rect">
+            <a:avLst/>
+          </a:prstGeom>
+          <a:solidFill>
+            <a:srgbClr val="0096C7"/>
+          </a:solidFill>
+          <a:ln>
+            <a:noFill/>
+          </a:ln>
+        </p:spPr>
+        <p:style>
+          <a:lnRef idx="2">
+            <a:schemeClr val="accent1">
+              <a:shade val="50000"/>
+            </a:schemeClr>
+          </a:lnRef>
+          <a:fillRef idx="1">
+            <a:schemeClr val="accent1"/>
+          </a:fillRef>
+          <a:effectRef idx="0">
+            <a:schemeClr val="accent1"/>
+          </a:effectRef>
+          <a:fontRef idx="minor">
+            <a:schemeClr val="lt1"/>
+          </a:fontRef>
+        </p:style>
+        <p:txBody>
+          <a:bodyPr rtlCol="0" anchor="ctr"/>
+          <a:lstStyle/>
+          <a:p>
+            <a:pPr algn="ctr"/>
+            <a:endParaRPr lang="en-GB"/>
+          </a:p>
+        </p:txBody>
+      </p:sp>
+      <p:sp>
+        <p:nvSpPr>
+          <p:cNvPr id="8" name="Isosceles Triangle 7">
+            <a:extLst>
+              <a:ext uri="{FF2B5EF4-FFF2-40B4-BE49-F238E27FC236}">
+                <a16:creationId xmlns:a16="http://schemas.microsoft.com/office/drawing/2014/main" id="{3BCD8B89-A491-8B56-F231-DA071498DEEE}"/>
+              </a:ext>
+            </a:extLst>
+          </p:cNvPr>
+          <p:cNvSpPr/>
+          <p:nvPr/>
+        </p:nvSpPr>
+        <p:spPr>
+          <a:xfrm>
+            <a:off x="3983567" y="4868333"/>
+            <a:ext cx="1854200" cy="1041400"/>
+          </a:xfrm>
+          <a:prstGeom prst="triangle">
+            <a:avLst/>
+          </a:prstGeom>
+          <a:solidFill>
+            <a:srgbClr val="023E8A"/>
+          </a:solidFill>
+          <a:ln>
+            <a:noFill/>
+          </a:ln>
+        </p:spPr>
+        <p:style>
+          <a:lnRef idx="2">
+            <a:schemeClr val="accent1">
+              <a:shade val="50000"/>
+            </a:schemeClr>
+          </a:lnRef>
+          <a:fillRef idx="1">
+            <a:schemeClr val="accent1"/>
+          </a:fillRef>
+          <a:effectRef idx="0">
+            <a:schemeClr val="accent1"/>
+          </a:effectRef>
+          <a:fontRef idx="minor">
+            <a:schemeClr val="lt1"/>
+          </a:fontRef>
+        </p:style>
+        <p:txBody>
+          <a:bodyPr rtlCol="0" anchor="ctr"/>
+          <a:lstStyle/>
+          <a:p>
+            <a:pPr algn="ctr"/>
+            <a:endParaRPr lang="en-GB"/>
+          </a:p>
+        </p:txBody>
+      </p:sp>
+      <p:sp>
+        <p:nvSpPr>
+          <p:cNvPr id="3" name="Isosceles Triangle 2">
+            <a:extLst>
+              <a:ext uri="{FF2B5EF4-FFF2-40B4-BE49-F238E27FC236}">
+                <a16:creationId xmlns:a16="http://schemas.microsoft.com/office/drawing/2014/main" id="{329C669E-FB6B-F1C4-7FB9-DA2FD36775B7}"/>
+              </a:ext>
+            </a:extLst>
+          </p:cNvPr>
+          <p:cNvSpPr/>
+          <p:nvPr/>
+        </p:nvSpPr>
+        <p:spPr>
+          <a:xfrm>
+            <a:off x="3251199" y="4627033"/>
+            <a:ext cx="2150533" cy="1282700"/>
+          </a:xfrm>
+          <a:prstGeom prst="triangle">
+            <a:avLst/>
+          </a:prstGeom>
+          <a:solidFill>
+            <a:srgbClr val="03045E"/>
+          </a:solidFill>
+          <a:ln>
+            <a:noFill/>
+          </a:ln>
+        </p:spPr>
+        <p:style>
+          <a:lnRef idx="2">
+            <a:schemeClr val="accent1">
+              <a:shade val="50000"/>
+            </a:schemeClr>
+          </a:lnRef>
+          <a:fillRef idx="1">
+            <a:schemeClr val="accent1"/>
+          </a:fillRef>
+          <a:effectRef idx="0">
+            <a:schemeClr val="accent1"/>
+          </a:effectRef>
+          <a:fontRef idx="minor">
+            <a:schemeClr val="lt1"/>
+          </a:fontRef>
+        </p:style>
+        <p:txBody>
+          <a:bodyPr rtlCol="0" anchor="ctr"/>
+          <a:lstStyle/>
+          <a:p>
+            <a:pPr algn="ctr"/>
+            <a:endParaRPr lang="en-GB"/>
+          </a:p>
+        </p:txBody>
+      </p:sp>
+      <p:sp>
+        <p:nvSpPr>
+          <p:cNvPr id="4" name="Rectangle 3">
+            <a:extLst>
+              <a:ext uri="{FF2B5EF4-FFF2-40B4-BE49-F238E27FC236}">
+                <a16:creationId xmlns:a16="http://schemas.microsoft.com/office/drawing/2014/main" id="{7EEE5408-C794-2909-FDE6-14D3D2175BAB}"/>
+              </a:ext>
+            </a:extLst>
+          </p:cNvPr>
+          <p:cNvSpPr/>
+          <p:nvPr/>
+        </p:nvSpPr>
+        <p:spPr>
+          <a:xfrm>
+            <a:off x="3141133" y="3581400"/>
+            <a:ext cx="842434" cy="2751667"/>
+          </a:xfrm>
+          <a:prstGeom prst="rect">
+            <a:avLst/>
+          </a:prstGeom>
+          <a:solidFill>
+            <a:schemeClr val="bg1"/>
+          </a:solidFill>
+          <a:ln>
+            <a:noFill/>
+          </a:ln>
+        </p:spPr>
+        <p:style>
+          <a:lnRef idx="2">
+            <a:schemeClr val="accent1">
+              <a:shade val="50000"/>
+            </a:schemeClr>
+          </a:lnRef>
+          <a:fillRef idx="1">
+            <a:schemeClr val="accent1"/>
+          </a:fillRef>
+          <a:effectRef idx="0">
+            <a:schemeClr val="accent1"/>
+          </a:effectRef>
+          <a:fontRef idx="minor">
+            <a:schemeClr val="lt1"/>
+          </a:fontRef>
+        </p:style>
+        <p:txBody>
+          <a:bodyPr rtlCol="0" anchor="ctr"/>
+          <a:lstStyle/>
+          <a:p>
+            <a:pPr algn="ctr"/>
+            <a:endParaRPr lang="en-GB"/>
+          </a:p>
+        </p:txBody>
+      </p:sp>
+      <p:sp>
+        <p:nvSpPr>
+          <p:cNvPr id="11" name="Rectangle 10">
+            <a:extLst>
+              <a:ext uri="{FF2B5EF4-FFF2-40B4-BE49-F238E27FC236}">
+                <a16:creationId xmlns:a16="http://schemas.microsoft.com/office/drawing/2014/main" id="{1CDF4989-16D4-A45E-82D5-1BFA51DC521E}"/>
+              </a:ext>
+            </a:extLst>
+          </p:cNvPr>
+          <p:cNvSpPr/>
+          <p:nvPr/>
+        </p:nvSpPr>
+        <p:spPr>
+          <a:xfrm rot="5400000">
+            <a:off x="4425950" y="4955117"/>
+            <a:ext cx="842434" cy="2751667"/>
+          </a:xfrm>
+          <a:prstGeom prst="rect">
+            <a:avLst/>
+          </a:prstGeom>
+          <a:solidFill>
+            <a:schemeClr val="bg1"/>
+          </a:solidFill>
+          <a:ln>
+            <a:noFill/>
+          </a:ln>
+        </p:spPr>
+        <p:style>
+          <a:lnRef idx="2">
+            <a:schemeClr val="accent1">
+              <a:shade val="50000"/>
+            </a:schemeClr>
+          </a:lnRef>
+          <a:fillRef idx="1">
+            <a:schemeClr val="accent1"/>
+          </a:fillRef>
+          <a:effectRef idx="0">
+            <a:schemeClr val="accent1"/>
+          </a:effectRef>
+          <a:fontRef idx="minor">
+            <a:schemeClr val="lt1"/>
+          </a:fontRef>
+        </p:style>
+        <p:txBody>
+          <a:bodyPr rtlCol="0" anchor="ctr"/>
+          <a:lstStyle/>
+          <a:p>
+            <a:pPr algn="ctr"/>
+            <a:endParaRPr lang="en-GB"/>
+          </a:p>
+        </p:txBody>
+      </p:sp>
+      <p:sp>
+        <p:nvSpPr>
+          <p:cNvPr id="12" name="Rectangle 11">
+            <a:extLst>
+              <a:ext uri="{FF2B5EF4-FFF2-40B4-BE49-F238E27FC236}">
+                <a16:creationId xmlns:a16="http://schemas.microsoft.com/office/drawing/2014/main" id="{A950F21C-6A93-0C75-D0C7-1B8999544DAA}"/>
+              </a:ext>
+            </a:extLst>
+          </p:cNvPr>
+          <p:cNvSpPr/>
+          <p:nvPr/>
+        </p:nvSpPr>
+        <p:spPr>
+          <a:xfrm>
+            <a:off x="5674783" y="3750733"/>
+            <a:ext cx="842434" cy="2751667"/>
+          </a:xfrm>
+          <a:prstGeom prst="rect">
+            <a:avLst/>
+          </a:prstGeom>
+          <a:solidFill>
+            <a:schemeClr val="bg1"/>
+          </a:solidFill>
+          <a:ln>
+            <a:noFill/>
+          </a:ln>
+        </p:spPr>
+        <p:style>
+          <a:lnRef idx="2">
+            <a:schemeClr val="accent1">
+              <a:shade val="50000"/>
+            </a:schemeClr>
+          </a:lnRef>
+          <a:fillRef idx="1">
+            <a:schemeClr val="accent1"/>
+          </a:fillRef>
+          <a:effectRef idx="0">
+            <a:schemeClr val="accent1"/>
+          </a:effectRef>
+          <a:fontRef idx="minor">
+            <a:schemeClr val="lt1"/>
+          </a:fontRef>
+        </p:style>
+        <p:txBody>
+          <a:bodyPr rtlCol="0" anchor="ctr"/>
+          <a:lstStyle/>
+          <a:p>
+            <a:pPr algn="ctr"/>
+            <a:endParaRPr lang="en-GB"/>
+          </a:p>
+        </p:txBody>
+      </p:sp>
+      <p:sp>
+        <p:nvSpPr>
+          <p:cNvPr id="6" name="Oval 5">
+            <a:extLst>
+              <a:ext uri="{FF2B5EF4-FFF2-40B4-BE49-F238E27FC236}">
+                <a16:creationId xmlns:a16="http://schemas.microsoft.com/office/drawing/2014/main" id="{D5601B58-F1DA-E81D-2D81-A2CC152BC76B}"/>
+              </a:ext>
+            </a:extLst>
+          </p:cNvPr>
+          <p:cNvSpPr/>
+          <p:nvPr/>
+        </p:nvSpPr>
+        <p:spPr>
+          <a:xfrm>
+            <a:off x="4428068" y="4322233"/>
+            <a:ext cx="232833" cy="232833"/>
+          </a:xfrm>
+          <a:prstGeom prst="ellipse">
+            <a:avLst/>
+          </a:prstGeom>
+          <a:solidFill>
+            <a:srgbClr val="FFFF00"/>
+          </a:solidFill>
+          <a:ln>
+            <a:noFill/>
+          </a:ln>
+        </p:spPr>
+        <p:style>
+          <a:lnRef idx="2">
+            <a:schemeClr val="accent1">
+              <a:shade val="50000"/>
+            </a:schemeClr>
+          </a:lnRef>
+          <a:fillRef idx="1">
+            <a:schemeClr val="accent1"/>
+          </a:fillRef>
+          <a:effectRef idx="0">
+            <a:schemeClr val="accent1"/>
+          </a:effectRef>
+          <a:fontRef idx="minor">
+            <a:schemeClr val="lt1"/>
+          </a:fontRef>
+        </p:style>
+        <p:txBody>
+          <a:bodyPr rtlCol="0" anchor="ctr"/>
+          <a:lstStyle/>
+          <a:p>
+            <a:pPr algn="ctr"/>
+            <a:endParaRPr lang="en-GB"/>
+          </a:p>
+        </p:txBody>
+      </p:sp>
+      <p:pic>
+        <p:nvPicPr>
+          <p:cNvPr id="13" name="Grafik 8" descr="Pfeil: Nach rechts drehen mit einfarbiger Füllung">
+            <a:extLst>
+              <a:ext uri="{FF2B5EF4-FFF2-40B4-BE49-F238E27FC236}">
+                <a16:creationId xmlns:a16="http://schemas.microsoft.com/office/drawing/2014/main" id="{D5ADB8D7-BEAC-15D9-1B0D-924585884C4D}"/>
+              </a:ext>
+            </a:extLst>
+          </p:cNvPr>
+          <p:cNvPicPr>
+            <a:picLocks noChangeAspect="1"/>
+          </p:cNvPicPr>
+          <p:nvPr/>
+        </p:nvPicPr>
+        <p:blipFill>
+          <a:blip r:embed="rId8">
+            <a:extLst>
+              <a:ext uri="{28A0092B-C50C-407E-A947-70E740481C1C}">
+                <a14:useLocalDpi xmlns:a14="http://schemas.microsoft.com/office/drawing/2010/main" val="0"/>
+              </a:ext>
+              <a:ext uri="{96DAC541-7B7A-43D3-8B79-37D633B846F1}">
+                <asvg:svgBlip xmlns:asvg="http://schemas.microsoft.com/office/drawing/2016/SVG/main" r:embed="rId9"/>
+              </a:ext>
+            </a:extLst>
+          </a:blip>
+          <a:stretch>
+            <a:fillRect/>
+          </a:stretch>
+        </p:blipFill>
+        <p:spPr>
+          <a:xfrm rot="15367521">
+            <a:off x="4841101" y="4100265"/>
+            <a:ext cx="1165978" cy="1165978"/>
+          </a:xfrm>
+          <a:prstGeom prst="rect">
+            <a:avLst/>
+          </a:prstGeom>
+        </p:spPr>
+      </p:pic>
+    </p:spTree>
+    <p:extLst>
+      <p:ext uri="{BB962C8B-B14F-4D97-AF65-F5344CB8AC3E}">
+        <p14:creationId xmlns:p14="http://schemas.microsoft.com/office/powerpoint/2010/main" val="3574775731"/>
+      </p:ext>
+    </p:extLst>
+  </p:cSld>
+  <p:clrMapOvr>
+    <a:masterClrMapping/>
+  </p:clrMapOvr>
+</p:sld>
+</file>
+
 <file path=ppt/theme/theme1.xml><?xml version="1.0" encoding="utf-8"?>
 <a:theme xmlns:a="http://schemas.openxmlformats.org/drawingml/2006/main" name="Office">
   <a:themeElements>

--- a/images.pptx
+++ b/images.pptx
@@ -262,7 +262,7 @@
           <a:p>
             <a:fld id="{17438BC1-AAC3-47D3-B2BD-C0A3E8141807}" type="datetimeFigureOut">
               <a:rPr lang="de-CH" smtClean="0"/>
-              <a:t>24.06.2022</a:t>
+              <a:t>30.06.2022</a:t>
             </a:fld>
             <a:endParaRPr lang="de-CH"/>
           </a:p>
@@ -462,7 +462,7 @@
           <a:p>
             <a:fld id="{17438BC1-AAC3-47D3-B2BD-C0A3E8141807}" type="datetimeFigureOut">
               <a:rPr lang="de-CH" smtClean="0"/>
-              <a:t>24.06.2022</a:t>
+              <a:t>30.06.2022</a:t>
             </a:fld>
             <a:endParaRPr lang="de-CH"/>
           </a:p>
@@ -672,7 +672,7 @@
           <a:p>
             <a:fld id="{17438BC1-AAC3-47D3-B2BD-C0A3E8141807}" type="datetimeFigureOut">
               <a:rPr lang="de-CH" smtClean="0"/>
-              <a:t>24.06.2022</a:t>
+              <a:t>30.06.2022</a:t>
             </a:fld>
             <a:endParaRPr lang="de-CH"/>
           </a:p>
@@ -872,7 +872,7 @@
           <a:p>
             <a:fld id="{17438BC1-AAC3-47D3-B2BD-C0A3E8141807}" type="datetimeFigureOut">
               <a:rPr lang="de-CH" smtClean="0"/>
-              <a:t>24.06.2022</a:t>
+              <a:t>30.06.2022</a:t>
             </a:fld>
             <a:endParaRPr lang="de-CH"/>
           </a:p>
@@ -1148,7 +1148,7 @@
           <a:p>
             <a:fld id="{17438BC1-AAC3-47D3-B2BD-C0A3E8141807}" type="datetimeFigureOut">
               <a:rPr lang="de-CH" smtClean="0"/>
-              <a:t>24.06.2022</a:t>
+              <a:t>30.06.2022</a:t>
             </a:fld>
             <a:endParaRPr lang="de-CH"/>
           </a:p>
@@ -1416,7 +1416,7 @@
           <a:p>
             <a:fld id="{17438BC1-AAC3-47D3-B2BD-C0A3E8141807}" type="datetimeFigureOut">
               <a:rPr lang="de-CH" smtClean="0"/>
-              <a:t>24.06.2022</a:t>
+              <a:t>30.06.2022</a:t>
             </a:fld>
             <a:endParaRPr lang="de-CH"/>
           </a:p>
@@ -1831,7 +1831,7 @@
           <a:p>
             <a:fld id="{17438BC1-AAC3-47D3-B2BD-C0A3E8141807}" type="datetimeFigureOut">
               <a:rPr lang="de-CH" smtClean="0"/>
-              <a:t>24.06.2022</a:t>
+              <a:t>30.06.2022</a:t>
             </a:fld>
             <a:endParaRPr lang="de-CH"/>
           </a:p>
@@ -1973,7 +1973,7 @@
           <a:p>
             <a:fld id="{17438BC1-AAC3-47D3-B2BD-C0A3E8141807}" type="datetimeFigureOut">
               <a:rPr lang="de-CH" smtClean="0"/>
-              <a:t>24.06.2022</a:t>
+              <a:t>30.06.2022</a:t>
             </a:fld>
             <a:endParaRPr lang="de-CH"/>
           </a:p>
@@ -2086,7 +2086,7 @@
           <a:p>
             <a:fld id="{17438BC1-AAC3-47D3-B2BD-C0A3E8141807}" type="datetimeFigureOut">
               <a:rPr lang="de-CH" smtClean="0"/>
-              <a:t>24.06.2022</a:t>
+              <a:t>30.06.2022</a:t>
             </a:fld>
             <a:endParaRPr lang="de-CH"/>
           </a:p>
@@ -2399,7 +2399,7 @@
           <a:p>
             <a:fld id="{17438BC1-AAC3-47D3-B2BD-C0A3E8141807}" type="datetimeFigureOut">
               <a:rPr lang="de-CH" smtClean="0"/>
-              <a:t>24.06.2022</a:t>
+              <a:t>30.06.2022</a:t>
             </a:fld>
             <a:endParaRPr lang="de-CH"/>
           </a:p>
@@ -2688,7 +2688,7 @@
           <a:p>
             <a:fld id="{17438BC1-AAC3-47D3-B2BD-C0A3E8141807}" type="datetimeFigureOut">
               <a:rPr lang="de-CH" smtClean="0"/>
-              <a:t>24.06.2022</a:t>
+              <a:t>30.06.2022</a:t>
             </a:fld>
             <a:endParaRPr lang="de-CH"/>
           </a:p>
@@ -2931,7 +2931,7 @@
           <a:p>
             <a:fld id="{17438BC1-AAC3-47D3-B2BD-C0A3E8141807}" type="datetimeFigureOut">
               <a:rPr lang="de-CH" smtClean="0"/>
-              <a:t>24.06.2022</a:t>
+              <a:t>30.06.2022</a:t>
             </a:fld>
             <a:endParaRPr lang="de-CH"/>
           </a:p>
